--- a/강화학습_A70071_유지연.pptx
+++ b/강화학습_A70071_유지연.pptx
@@ -8100,8 +8100,8 @@
         </p:nvSpPr>
         <p:spPr>
           <a:xfrm>
-            <a:off x="4142510" y="5852160"/>
-            <a:ext cx="3906981" cy="276999"/>
+            <a:off x="2631057" y="5713661"/>
+            <a:ext cx="6929887" cy="553998"/>
           </a:xfrm>
           <a:prstGeom prst="rect">
             <a:avLst/>
@@ -8114,6 +8114,17 @@
           </a:bodyPr>
           <a:lstStyle/>
           <a:p>
+            <a:pPr algn="ctr"/>
+            <a:r>
+              <a:rPr lang="en-US" altLang="ko-KR" dirty="0">
+                <a:latin typeface="페이퍼로지 6 SemiBold" pitchFamily="2" charset="-127"/>
+                <a:ea typeface="페이퍼로지 6 SemiBold" pitchFamily="2" charset="-127"/>
+              </a:rPr>
+              <a:t>https://github.com/UantumBear/Reinforce</a:t>
+            </a:r>
+          </a:p>
+          <a:p>
+            <a:pPr algn="ctr"/>
             <a:r>
               <a:rPr lang="ko-KR" altLang="en-US" dirty="0">
                 <a:latin typeface="페이퍼로지 6 SemiBold" pitchFamily="2" charset="-127"/>
